--- a/project_management/Project Review.pptx
+++ b/project_management/Project Review.pptx
@@ -235,7 +235,7 @@
           <a:p>
             <a:fld id="{5EA28068-AFBD-4979-B752-9EB6F90B1386}" type="datetimeFigureOut">
               <a:rPr lang="en-US" smtClean="0"/>
-              <a:t>2/2/23</a:t>
+              <a:t>2/3/23</a:t>
             </a:fld>
             <a:endParaRPr lang="en-US" dirty="0"/>
           </a:p>
@@ -11476,7 +11476,58 @@
           <a:bodyPr/>
           <a:lstStyle/>
           <a:p>
-            <a:endParaRPr lang="en-US" dirty="0"/>
+            <a:r>
+              <a:rPr lang="en-US" dirty="0"/>
+              <a:t>Syncing components on the whiteboard</a:t>
+            </a:r>
+          </a:p>
+          <a:p>
+            <a:pPr lvl="1"/>
+            <a:r>
+              <a:rPr lang="en-US" dirty="0"/>
+              <a:t>Plan to use the server as the single source of truth</a:t>
+            </a:r>
+          </a:p>
+          <a:p>
+            <a:r>
+              <a:rPr lang="en-US" dirty="0"/>
+              <a:t>WebSocket data transfer performance</a:t>
+            </a:r>
+          </a:p>
+          <a:p>
+            <a:pPr lvl="1"/>
+            <a:r>
+              <a:rPr lang="en-US" dirty="0"/>
+              <a:t>Must be mindful of data transfer size</a:t>
+            </a:r>
+          </a:p>
+          <a:p>
+            <a:pPr lvl="1"/>
+            <a:r>
+              <a:rPr lang="en-US" dirty="0"/>
+              <a:t>Will use a two-level map and design our own schema for data transfer</a:t>
+            </a:r>
+          </a:p>
+          <a:p>
+            <a:r>
+              <a:rPr lang="en-US" dirty="0"/>
+              <a:t>Client-side editing performance</a:t>
+            </a:r>
+          </a:p>
+          <a:p>
+            <a:pPr lvl="1"/>
+            <a:r>
+              <a:rPr lang="en-US" dirty="0"/>
+              <a:t>Use an alternate data structure (</a:t>
+            </a:r>
+            <a:r>
+              <a:rPr lang="en-US" dirty="0" err="1"/>
+              <a:t>kd</a:t>
+            </a:r>
+            <a:r>
+              <a:rPr lang="en-US" dirty="0"/>
+              <a:t>-trees) to store coordinates of components and their size,</a:t>
+            </a:r>
           </a:p>
         </p:txBody>
       </p:sp>
@@ -12552,12 +12603,12 @@
 </file>
 
 <file path=customXml/item1.xml><?xml version="1.0" encoding="utf-8"?>
-<p:properties xmlns:p="http://schemas.microsoft.com/office/2006/metadata/properties" xmlns:xsi="http://www.w3.org/2001/XMLSchema-instance" xmlns:pc="http://schemas.microsoft.com/office/infopath/2007/PartnerControls">
-  <documentManagement>
-    <Status xmlns="71af3243-3dd4-4a8d-8c0d-dd76da1f02a5">Not started</Status>
-    <MediaServiceKeyPoints xmlns="71af3243-3dd4-4a8d-8c0d-dd76da1f02a5" xsi:nil="true"/>
-  </documentManagement>
-</p:properties>
+<?mso-contentType ?>
+<FormTemplates xmlns="http://schemas.microsoft.com/sharepoint/v3/contenttype/forms">
+  <Display>DocumentLibraryForm</Display>
+  <Edit>DocumentLibraryForm</Edit>
+  <New>DocumentLibraryForm</New>
+</FormTemplates>
 </file>
 
 <file path=customXml/item2.xml><?xml version="1.0" encoding="utf-8"?>
@@ -12782,20 +12833,18 @@
 </file>
 
 <file path=customXml/item3.xml><?xml version="1.0" encoding="utf-8"?>
-<?mso-contentType ?>
-<FormTemplates xmlns="http://schemas.microsoft.com/sharepoint/v3/contenttype/forms">
-  <Display>DocumentLibraryForm</Display>
-  <Edit>DocumentLibraryForm</Edit>
-  <New>DocumentLibraryForm</New>
-</FormTemplates>
+<p:properties xmlns:p="http://schemas.microsoft.com/office/2006/metadata/properties" xmlns:xsi="http://www.w3.org/2001/XMLSchema-instance" xmlns:pc="http://schemas.microsoft.com/office/infopath/2007/PartnerControls">
+  <documentManagement>
+    <Status xmlns="71af3243-3dd4-4a8d-8c0d-dd76da1f02a5">Not started</Status>
+    <MediaServiceKeyPoints xmlns="71af3243-3dd4-4a8d-8c0d-dd76da1f02a5" xsi:nil="true"/>
+  </documentManagement>
+</p:properties>
 </file>
 
 <file path=customXml/itemProps1.xml><?xml version="1.0" encoding="utf-8"?>
-<ds:datastoreItem xmlns:ds="http://schemas.openxmlformats.org/officeDocument/2006/customXml" ds:itemID="{99D08CD0-82A3-4566-9B63-BB91B2D89764}">
+<ds:datastoreItem xmlns:ds="http://schemas.openxmlformats.org/officeDocument/2006/customXml" ds:itemID="{F979E8A1-055A-4751-97E9-E6B1F9E21214}">
   <ds:schemaRefs>
-    <ds:schemaRef ds:uri="http://schemas.microsoft.com/office/2006/metadata/properties"/>
-    <ds:schemaRef ds:uri="http://schemas.microsoft.com/office/infopath/2007/PartnerControls"/>
-    <ds:schemaRef ds:uri="71af3243-3dd4-4a8d-8c0d-dd76da1f02a5"/>
+    <ds:schemaRef ds:uri="http://schemas.microsoft.com/sharepoint/v3/contenttype/forms"/>
   </ds:schemaRefs>
 </ds:datastoreItem>
 </file>
@@ -12820,9 +12869,11 @@
 </file>
 
 <file path=customXml/itemProps3.xml><?xml version="1.0" encoding="utf-8"?>
-<ds:datastoreItem xmlns:ds="http://schemas.openxmlformats.org/officeDocument/2006/customXml" ds:itemID="{F979E8A1-055A-4751-97E9-E6B1F9E21214}">
+<ds:datastoreItem xmlns:ds="http://schemas.openxmlformats.org/officeDocument/2006/customXml" ds:itemID="{99D08CD0-82A3-4566-9B63-BB91B2D89764}">
   <ds:schemaRefs>
-    <ds:schemaRef ds:uri="http://schemas.microsoft.com/sharepoint/v3/contenttype/forms"/>
+    <ds:schemaRef ds:uri="http://schemas.microsoft.com/office/2006/metadata/properties"/>
+    <ds:schemaRef ds:uri="http://schemas.microsoft.com/office/infopath/2007/PartnerControls"/>
+    <ds:schemaRef ds:uri="71af3243-3dd4-4a8d-8c0d-dd76da1f02a5"/>
   </ds:schemaRefs>
 </ds:datastoreItem>
 </file>

--- a/project_management/Project Review.pptx
+++ b/project_management/Project Review.pptx
@@ -11505,7 +11505,41 @@
             <a:pPr lvl="1"/>
             <a:r>
               <a:rPr lang="en-US" dirty="0"/>
-              <a:t>Will use a two-level map and design our own schema for data transfer</a:t>
+              <a:t>Will use a two-level map </a:t>
+            </a:r>
+            <a:r>
+              <a:rPr lang="en-CA" dirty="0">
+                <a:solidFill>
+                  <a:srgbClr val="EB5757"/>
+                </a:solidFill>
+                <a:effectLst/>
+                <a:latin typeface="SFMono-Regular"/>
+              </a:rPr>
+              <a:t>Map&lt;</a:t>
+            </a:r>
+            <a:r>
+              <a:rPr lang="en-CA" dirty="0" err="1">
+                <a:solidFill>
+                  <a:srgbClr val="EB5757"/>
+                </a:solidFill>
+                <a:effectLst/>
+                <a:latin typeface="SFMono-Regular"/>
+              </a:rPr>
+              <a:t>ComponentID</a:t>
+            </a:r>
+            <a:r>
+              <a:rPr lang="en-CA" dirty="0">
+                <a:solidFill>
+                  <a:srgbClr val="EB5757"/>
+                </a:solidFill>
+                <a:effectLst/>
+                <a:latin typeface="SFMono-Regular"/>
+              </a:rPr>
+              <a:t>, Map&lt;Property, Value&gt;&gt;</a:t>
+            </a:r>
+            <a:r>
+              <a:rPr lang="en-US" dirty="0"/>
+              <a:t> and design our own schema for data transfer</a:t>
             </a:r>
           </a:p>
           <a:p>
@@ -12603,15 +12637,6 @@
 </file>
 
 <file path=customXml/item1.xml><?xml version="1.0" encoding="utf-8"?>
-<?mso-contentType ?>
-<FormTemplates xmlns="http://schemas.microsoft.com/sharepoint/v3/contenttype/forms">
-  <Display>DocumentLibraryForm</Display>
-  <Edit>DocumentLibraryForm</Edit>
-  <New>DocumentLibraryForm</New>
-</FormTemplates>
-</file>
-
-<file path=customXml/item2.xml><?xml version="1.0" encoding="utf-8"?>
 <ct:contentTypeSchema xmlns:ct="http://schemas.microsoft.com/office/2006/metadata/contentType" xmlns:ma="http://schemas.microsoft.com/office/2006/metadata/properties/metaAttributes" ct:_="" ma:_="" ma:contentTypeName="Document" ma:contentTypeID="0x01010079F111ED35F8CC479449609E8A0923A6" ma:contentTypeVersion="12" ma:contentTypeDescription="Create a new document." ma:contentTypeScope="" ma:versionID="426e97fa315356fffbdcd9876fe988c2">
   <xsd:schema xmlns:xsd="http://www.w3.org/2001/XMLSchema" xmlns:xs="http://www.w3.org/2001/XMLSchema" xmlns:p="http://schemas.microsoft.com/office/2006/metadata/properties" xmlns:ns2="71af3243-3dd4-4a8d-8c0d-dd76da1f02a5" xmlns:ns3="16c05727-aa75-4e4a-9b5f-8a80a1165891" targetNamespace="http://schemas.microsoft.com/office/2006/metadata/properties" ma:root="true" ma:fieldsID="14b8f0def80e6d70ce3def20c90759ae" ns2:_="" ns3:_="">
     <xsd:import namespace="71af3243-3dd4-4a8d-8c0d-dd76da1f02a5"/>
@@ -12832,6 +12857,15 @@
 </ct:contentTypeSchema>
 </file>
 
+<file path=customXml/item2.xml><?xml version="1.0" encoding="utf-8"?>
+<?mso-contentType ?>
+<FormTemplates xmlns="http://schemas.microsoft.com/sharepoint/v3/contenttype/forms">
+  <Display>DocumentLibraryForm</Display>
+  <Edit>DocumentLibraryForm</Edit>
+  <New>DocumentLibraryForm</New>
+</FormTemplates>
+</file>
+
 <file path=customXml/item3.xml><?xml version="1.0" encoding="utf-8"?>
 <p:properties xmlns:p="http://schemas.microsoft.com/office/2006/metadata/properties" xmlns:xsi="http://www.w3.org/2001/XMLSchema-instance" xmlns:pc="http://schemas.microsoft.com/office/infopath/2007/PartnerControls">
   <documentManagement>
@@ -12842,14 +12876,6 @@
 </file>
 
 <file path=customXml/itemProps1.xml><?xml version="1.0" encoding="utf-8"?>
-<ds:datastoreItem xmlns:ds="http://schemas.openxmlformats.org/officeDocument/2006/customXml" ds:itemID="{F979E8A1-055A-4751-97E9-E6B1F9E21214}">
-  <ds:schemaRefs>
-    <ds:schemaRef ds:uri="http://schemas.microsoft.com/sharepoint/v3/contenttype/forms"/>
-  </ds:schemaRefs>
-</ds:datastoreItem>
-</file>
-
-<file path=customXml/itemProps2.xml><?xml version="1.0" encoding="utf-8"?>
 <ds:datastoreItem xmlns:ds="http://schemas.openxmlformats.org/officeDocument/2006/customXml" ds:itemID="{21F1B1B8-5A9B-4E1F-8C4E-7AAE2CCA0614}">
   <ds:schemaRefs>
     <ds:schemaRef ds:uri="http://schemas.microsoft.com/office/2006/metadata/contentType"/>
@@ -12868,6 +12894,14 @@
 </ds:datastoreItem>
 </file>
 
+<file path=customXml/itemProps2.xml><?xml version="1.0" encoding="utf-8"?>
+<ds:datastoreItem xmlns:ds="http://schemas.openxmlformats.org/officeDocument/2006/customXml" ds:itemID="{F979E8A1-055A-4751-97E9-E6B1F9E21214}">
+  <ds:schemaRefs>
+    <ds:schemaRef ds:uri="http://schemas.microsoft.com/sharepoint/v3/contenttype/forms"/>
+  </ds:schemaRefs>
+</ds:datastoreItem>
+</file>
+
 <file path=customXml/itemProps3.xml><?xml version="1.0" encoding="utf-8"?>
 <ds:datastoreItem xmlns:ds="http://schemas.openxmlformats.org/officeDocument/2006/customXml" ds:itemID="{99D08CD0-82A3-4566-9B63-BB91B2D89764}">
   <ds:schemaRefs>
